--- a/7_Allegati/Pr25_Poster_Schillerwein Tom_watchtower.pptx
+++ b/7_Allegati/Pr25_Poster_Schillerwein Tom_watchtower.pptx
@@ -3779,7 +3779,15 @@
             </a:r>
             <a:r>
               <a:rPr lang="it-CH" dirty="0"/>
-              <a:t>. Dal lato hardware, i microcontrollori e i sensori sono stati programmati in Python per rilevare i dati e comunicarli al dispositivo M5Stack CoreS3. Questo si occupa di elaborarli, inviarli al backend oppure eseguire azioni, come accendere un LED o visualizzare informazioni sul display. Dopo una fase iniziale di test, il sistema è stato installato nella sala server.</a:t>
+              <a:t>. Dal lato hardware, i microcontrollori e i sensori sono stati programmati in </a:t>
+            </a:r>
+            <a:r>
+              <a:rPr lang="it-CH"/>
+              <a:t>MicroPython</a:t>
+            </a:r>
+            <a:r>
+              <a:rPr lang="it-CH" dirty="0"/>
+              <a:t> per rilevare i dati e comunicarli al dispositivo M5Stack CoreS3. Questo si occupa di elaborarli, inviarli al backend oppure eseguire azioni, come accendere un LED o visualizzare informazioni sul display. Dopo una fase iniziale di test, il sistema è stato installato nella sala server.</a:t>
             </a:r>
           </a:p>
           <a:p>
@@ -3889,11 +3897,7 @@
             </a:r>
             <a:r>
               <a:rPr lang="fr-CH" dirty="0"/>
-              <a:t> web e </a:t>
-            </a:r>
-            <a:r>
-              <a:rPr lang="fr-CH" dirty="0" err="1"/>
-              <a:t>Iot</a:t>
+              <a:t> web e IoT</a:t>
             </a:r>
             <a:endParaRPr lang="it-CH" dirty="0"/>
           </a:p>
@@ -4886,23 +4890,6 @@
 </file>
 
 <file path=customXml/item1.xml><?xml version="1.0" encoding="utf-8"?>
-<p:properties xmlns:p="http://schemas.microsoft.com/office/2006/metadata/properties" xmlns:xsi="http://www.w3.org/2001/XMLSchema-instance" xmlns:pc="http://schemas.microsoft.com/office/infopath/2007/PartnerControls">
-  <documentManagement>
-    <Stampato xmlns="9b05f055-097a-4a74-97c1-cf3aef03aade">false</Stampato>
-  </documentManagement>
-</p:properties>
-</file>
-
-<file path=customXml/item2.xml><?xml version="1.0" encoding="utf-8"?>
-<?mso-contentType ?>
-<FormTemplates xmlns="http://schemas.microsoft.com/sharepoint/v3/contenttype/forms">
-  <Display>DocumentLibraryForm</Display>
-  <Edit>DocumentLibraryForm</Edit>
-  <New>DocumentLibraryForm</New>
-</FormTemplates>
-</file>
-
-<file path=customXml/item3.xml><?xml version="1.0" encoding="utf-8"?>
 <ct:contentTypeSchema xmlns:ct="http://schemas.microsoft.com/office/2006/metadata/contentType" xmlns:ma="http://schemas.microsoft.com/office/2006/metadata/properties/metaAttributes" ct:_="" ma:_="" ma:contentTypeName="Documento" ma:contentTypeID="0x010100FC1BD9EB76A8C64F99586837B7A232EC" ma:contentTypeVersion="5" ma:contentTypeDescription="Creare un nuovo documento." ma:contentTypeScope="" ma:versionID="4a75b48e460fd9a7802b75ef66bc4274">
   <xsd:schema xmlns:xsd="http://www.w3.org/2001/XMLSchema" xmlns:xs="http://www.w3.org/2001/XMLSchema" xmlns:p="http://schemas.microsoft.com/office/2006/metadata/properties" xmlns:ns2="9b05f055-097a-4a74-97c1-cf3aef03aade" targetNamespace="http://schemas.microsoft.com/office/2006/metadata/properties" ma:root="true" ma:fieldsID="b32bedd7911c13c955f9a03ae2f29a21" ns2:_="">
     <xsd:import namespace="9b05f055-097a-4a74-97c1-cf3aef03aade"/>
@@ -5052,31 +5039,24 @@
 </ct:contentTypeSchema>
 </file>
 
-<file path=customXml/itemProps1.xml><?xml version="1.0" encoding="utf-8"?>
-<ds:datastoreItem xmlns:ds="http://schemas.openxmlformats.org/officeDocument/2006/customXml" ds:itemID="{28554AF4-BED8-4A47-B71D-99349371DDC5}">
-  <ds:schemaRefs>
-    <ds:schemaRef ds:uri="http://purl.org/dc/terms/"/>
-    <ds:schemaRef ds:uri="http://purl.org/dc/elements/1.1/"/>
-    <ds:schemaRef ds:uri="http://schemas.microsoft.com/office/2006/documentManagement/types"/>
-    <ds:schemaRef ds:uri="http://schemas.openxmlformats.org/package/2006/metadata/core-properties"/>
-    <ds:schemaRef ds:uri="http://purl.org/dc/dcmitype/"/>
-    <ds:schemaRef ds:uri="http://schemas.microsoft.com/office/infopath/2007/PartnerControls"/>
-    <ds:schemaRef ds:uri="9b05f055-097a-4a74-97c1-cf3aef03aade"/>
-    <ds:schemaRef ds:uri="http://schemas.microsoft.com/office/2006/metadata/properties"/>
-    <ds:schemaRef ds:uri="http://www.w3.org/XML/1998/namespace"/>
-  </ds:schemaRefs>
-</ds:datastoreItem>
+<file path=customXml/item2.xml><?xml version="1.0" encoding="utf-8"?>
+<?mso-contentType ?>
+<FormTemplates xmlns="http://schemas.microsoft.com/sharepoint/v3/contenttype/forms">
+  <Display>DocumentLibraryForm</Display>
+  <Edit>DocumentLibraryForm</Edit>
+  <New>DocumentLibraryForm</New>
+</FormTemplates>
 </file>
 
-<file path=customXml/itemProps2.xml><?xml version="1.0" encoding="utf-8"?>
-<ds:datastoreItem xmlns:ds="http://schemas.openxmlformats.org/officeDocument/2006/customXml" ds:itemID="{EB61E91E-C9E1-4DBF-9110-F13E3CB391C9}">
-  <ds:schemaRefs>
-    <ds:schemaRef ds:uri="http://schemas.microsoft.com/sharepoint/v3/contenttype/forms"/>
-  </ds:schemaRefs>
-</ds:datastoreItem>
+<file path=customXml/item3.xml><?xml version="1.0" encoding="utf-8"?>
+<p:properties xmlns:p="http://schemas.microsoft.com/office/2006/metadata/properties" xmlns:xsi="http://www.w3.org/2001/XMLSchema-instance" xmlns:pc="http://schemas.microsoft.com/office/infopath/2007/PartnerControls">
+  <documentManagement>
+    <Stampato xmlns="9b05f055-097a-4a74-97c1-cf3aef03aade">false</Stampato>
+  </documentManagement>
+</p:properties>
 </file>
 
-<file path=customXml/itemProps3.xml><?xml version="1.0" encoding="utf-8"?>
+<file path=customXml/itemProps1.xml><?xml version="1.0" encoding="utf-8"?>
 <ds:datastoreItem xmlns:ds="http://schemas.openxmlformats.org/officeDocument/2006/customXml" ds:itemID="{BD93B5F5-2744-4B1F-8320-9FC672CF76BF}">
   <ds:schemaRefs>
     <ds:schemaRef ds:uri="http://schemas.microsoft.com/office/2006/metadata/contentType"/>
@@ -5092,4 +5072,28 @@
     <ds:schemaRef ds:uri="http://schemas.microsoft.com/internal/obd"/>
   </ds:schemaRefs>
 </ds:datastoreItem>
+</file>
+
+<file path=customXml/itemProps2.xml><?xml version="1.0" encoding="utf-8"?>
+<ds:datastoreItem xmlns:ds="http://schemas.openxmlformats.org/officeDocument/2006/customXml" ds:itemID="{EB61E91E-C9E1-4DBF-9110-F13E3CB391C9}">
+  <ds:schemaRefs>
+    <ds:schemaRef ds:uri="http://schemas.microsoft.com/sharepoint/v3/contenttype/forms"/>
+  </ds:schemaRefs>
+</ds:datastoreItem>
+</file>
+
+<file path=customXml/itemProps3.xml><?xml version="1.0" encoding="utf-8"?>
+<ds:datastoreItem xmlns:ds="http://schemas.openxmlformats.org/officeDocument/2006/customXml" ds:itemID="{28554AF4-BED8-4A47-B71D-99349371DDC5}">
+  <ds:schemaRefs>
+    <ds:schemaRef ds:uri="http://purl.org/dc/terms/"/>
+    <ds:schemaRef ds:uri="http://purl.org/dc/elements/1.1/"/>
+    <ds:schemaRef ds:uri="http://schemas.microsoft.com/office/2006/documentManagement/types"/>
+    <ds:schemaRef ds:uri="http://schemas.openxmlformats.org/package/2006/metadata/core-properties"/>
+    <ds:schemaRef ds:uri="http://purl.org/dc/dcmitype/"/>
+    <ds:schemaRef ds:uri="http://schemas.microsoft.com/office/infopath/2007/PartnerControls"/>
+    <ds:schemaRef ds:uri="9b05f055-097a-4a74-97c1-cf3aef03aade"/>
+    <ds:schemaRef ds:uri="http://schemas.microsoft.com/office/2006/metadata/properties"/>
+    <ds:schemaRef ds:uri="http://www.w3.org/XML/1998/namespace"/>
+  </ds:schemaRefs>
+</ds:datastoreItem>
 </file>